--- a/ppt 16-9/0964.因着耶稣爱的缘.pptx
+++ b/ppt 16-9/0964.因着耶稣爱的缘.pptx
@@ -129,7 +129,7 @@
           <p:cNvPr id="2" name="标题 1">
             <a:extLst>
               <a:ext uri="{FF2B5EF4-FFF2-40B4-BE49-F238E27FC236}">
-                <a16:creationId xmlns:a16="http://schemas.microsoft.com/office/drawing/2014/main" id="{FD6EA51F-C74A-B466-9601-D448B06FAE4C}"/>
+                <a16:creationId xmlns:a16="http://schemas.microsoft.com/office/drawing/2014/main" id="{28BF9E79-E70E-C044-F9FA-992C3D706950}"/>
               </a:ext>
             </a:extLst>
           </p:cNvPr>
@@ -166,7 +166,7 @@
           <p:cNvPr id="3" name="副标题 2">
             <a:extLst>
               <a:ext uri="{FF2B5EF4-FFF2-40B4-BE49-F238E27FC236}">
-                <a16:creationId xmlns:a16="http://schemas.microsoft.com/office/drawing/2014/main" id="{957D5203-CA43-2881-5C1C-E2B1CF6B2769}"/>
+                <a16:creationId xmlns:a16="http://schemas.microsoft.com/office/drawing/2014/main" id="{BB73C40A-DFE0-7F59-BA31-63C97CDEF9CF}"/>
               </a:ext>
             </a:extLst>
           </p:cNvPr>
@@ -236,7 +236,7 @@
           <p:cNvPr id="4" name="日期占位符 3">
             <a:extLst>
               <a:ext uri="{FF2B5EF4-FFF2-40B4-BE49-F238E27FC236}">
-                <a16:creationId xmlns:a16="http://schemas.microsoft.com/office/drawing/2014/main" id="{33F28DE2-3452-840C-9BF4-96C21DB689EE}"/>
+                <a16:creationId xmlns:a16="http://schemas.microsoft.com/office/drawing/2014/main" id="{758B9677-BFC1-2C9C-9751-E57F229C79F6}"/>
               </a:ext>
             </a:extLst>
           </p:cNvPr>
@@ -252,7 +252,7 @@
           <a:bodyPr/>
           <a:lstStyle/>
           <a:p>
-            <a:fld id="{004DC151-F743-4CE0-B0BC-388F5F5461AC}" type="datetimeFigureOut">
+            <a:fld id="{F60E6405-A6B2-4D21-8F4B-2200DAE2FDE9}" type="datetimeFigureOut">
               <a:rPr lang="zh-CN" altLang="en-US" smtClean="0"/>
               <a:t>2024/3/10</a:t>
             </a:fld>
@@ -265,7 +265,7 @@
           <p:cNvPr id="5" name="页脚占位符 4">
             <a:extLst>
               <a:ext uri="{FF2B5EF4-FFF2-40B4-BE49-F238E27FC236}">
-                <a16:creationId xmlns:a16="http://schemas.microsoft.com/office/drawing/2014/main" id="{A5CCC030-1672-2A5C-E283-7E13C6B83668}"/>
+                <a16:creationId xmlns:a16="http://schemas.microsoft.com/office/drawing/2014/main" id="{A47324EB-E221-548C-AD3A-497DC8634AE7}"/>
               </a:ext>
             </a:extLst>
           </p:cNvPr>
@@ -290,7 +290,7 @@
           <p:cNvPr id="6" name="灯片编号占位符 5">
             <a:extLst>
               <a:ext uri="{FF2B5EF4-FFF2-40B4-BE49-F238E27FC236}">
-                <a16:creationId xmlns:a16="http://schemas.microsoft.com/office/drawing/2014/main" id="{90918581-6A29-BFA2-FC9B-00EEF8D9A581}"/>
+                <a16:creationId xmlns:a16="http://schemas.microsoft.com/office/drawing/2014/main" id="{5650E409-A594-9AB3-17AF-EB56EB662680}"/>
               </a:ext>
             </a:extLst>
           </p:cNvPr>
@@ -306,7 +306,7 @@
           <a:bodyPr/>
           <a:lstStyle/>
           <a:p>
-            <a:fld id="{E3DD721A-D759-4D0B-BE70-1ACE2802DD94}" type="slidenum">
+            <a:fld id="{FB6B8543-A947-4760-9444-307A73D08BB5}" type="slidenum">
               <a:rPr lang="zh-CN" altLang="en-US" smtClean="0"/>
               <a:t>‹#›</a:t>
             </a:fld>
@@ -317,7 +317,7 @@
     </p:spTree>
     <p:extLst>
       <p:ext uri="{BB962C8B-B14F-4D97-AF65-F5344CB8AC3E}">
-        <p14:creationId xmlns:p14="http://schemas.microsoft.com/office/powerpoint/2010/main" val="748687756"/>
+        <p14:creationId xmlns:p14="http://schemas.microsoft.com/office/powerpoint/2010/main" val="3053168215"/>
       </p:ext>
     </p:extLst>
   </p:cSld>
@@ -349,7 +349,7 @@
           <p:cNvPr id="2" name="标题 1">
             <a:extLst>
               <a:ext uri="{FF2B5EF4-FFF2-40B4-BE49-F238E27FC236}">
-                <a16:creationId xmlns:a16="http://schemas.microsoft.com/office/drawing/2014/main" id="{119D6A5D-DADB-A9F5-1F23-F539FCD70E8C}"/>
+                <a16:creationId xmlns:a16="http://schemas.microsoft.com/office/drawing/2014/main" id="{675F1779-881E-C4BE-AB9B-41BDF059603A}"/>
               </a:ext>
             </a:extLst>
           </p:cNvPr>
@@ -377,7 +377,7 @@
           <p:cNvPr id="3" name="竖排文字占位符 2">
             <a:extLst>
               <a:ext uri="{FF2B5EF4-FFF2-40B4-BE49-F238E27FC236}">
-                <a16:creationId xmlns:a16="http://schemas.microsoft.com/office/drawing/2014/main" id="{5B48437C-B663-4280-626D-EBD2BA1DCBE9}"/>
+                <a16:creationId xmlns:a16="http://schemas.microsoft.com/office/drawing/2014/main" id="{CC56EA45-4EB4-D411-3022-03E0A7A1C8CF}"/>
               </a:ext>
             </a:extLst>
           </p:cNvPr>
@@ -434,7 +434,7 @@
           <p:cNvPr id="4" name="日期占位符 3">
             <a:extLst>
               <a:ext uri="{FF2B5EF4-FFF2-40B4-BE49-F238E27FC236}">
-                <a16:creationId xmlns:a16="http://schemas.microsoft.com/office/drawing/2014/main" id="{5139F7D2-A750-298A-D2F4-BBA73DE2EE4D}"/>
+                <a16:creationId xmlns:a16="http://schemas.microsoft.com/office/drawing/2014/main" id="{9C189296-C71C-8A5D-BCD7-C3B4B6B119B9}"/>
               </a:ext>
             </a:extLst>
           </p:cNvPr>
@@ -450,7 +450,7 @@
           <a:bodyPr/>
           <a:lstStyle/>
           <a:p>
-            <a:fld id="{004DC151-F743-4CE0-B0BC-388F5F5461AC}" type="datetimeFigureOut">
+            <a:fld id="{F60E6405-A6B2-4D21-8F4B-2200DAE2FDE9}" type="datetimeFigureOut">
               <a:rPr lang="zh-CN" altLang="en-US" smtClean="0"/>
               <a:t>2024/3/10</a:t>
             </a:fld>
@@ -463,7 +463,7 @@
           <p:cNvPr id="5" name="页脚占位符 4">
             <a:extLst>
               <a:ext uri="{FF2B5EF4-FFF2-40B4-BE49-F238E27FC236}">
-                <a16:creationId xmlns:a16="http://schemas.microsoft.com/office/drawing/2014/main" id="{D447BF66-EA75-4C6E-4B3C-5C22CC7DB438}"/>
+                <a16:creationId xmlns:a16="http://schemas.microsoft.com/office/drawing/2014/main" id="{041F8552-5B4A-06DA-3DCE-6806DDAB8CE1}"/>
               </a:ext>
             </a:extLst>
           </p:cNvPr>
@@ -488,7 +488,7 @@
           <p:cNvPr id="6" name="灯片编号占位符 5">
             <a:extLst>
               <a:ext uri="{FF2B5EF4-FFF2-40B4-BE49-F238E27FC236}">
-                <a16:creationId xmlns:a16="http://schemas.microsoft.com/office/drawing/2014/main" id="{19EE6072-A4F2-6D7E-C4E4-A257C6603EE4}"/>
+                <a16:creationId xmlns:a16="http://schemas.microsoft.com/office/drawing/2014/main" id="{66651793-09DC-DEE2-BDFE-B5D1BF938982}"/>
               </a:ext>
             </a:extLst>
           </p:cNvPr>
@@ -504,7 +504,7 @@
           <a:bodyPr/>
           <a:lstStyle/>
           <a:p>
-            <a:fld id="{E3DD721A-D759-4D0B-BE70-1ACE2802DD94}" type="slidenum">
+            <a:fld id="{FB6B8543-A947-4760-9444-307A73D08BB5}" type="slidenum">
               <a:rPr lang="zh-CN" altLang="en-US" smtClean="0"/>
               <a:t>‹#›</a:t>
             </a:fld>
@@ -515,7 +515,7 @@
     </p:spTree>
     <p:extLst>
       <p:ext uri="{BB962C8B-B14F-4D97-AF65-F5344CB8AC3E}">
-        <p14:creationId xmlns:p14="http://schemas.microsoft.com/office/powerpoint/2010/main" val="2477720560"/>
+        <p14:creationId xmlns:p14="http://schemas.microsoft.com/office/powerpoint/2010/main" val="2678003334"/>
       </p:ext>
     </p:extLst>
   </p:cSld>
@@ -547,7 +547,7 @@
           <p:cNvPr id="2" name="竖排标题 1">
             <a:extLst>
               <a:ext uri="{FF2B5EF4-FFF2-40B4-BE49-F238E27FC236}">
-                <a16:creationId xmlns:a16="http://schemas.microsoft.com/office/drawing/2014/main" id="{1EC90083-73B9-5EFB-A804-327FE0E0ACA7}"/>
+                <a16:creationId xmlns:a16="http://schemas.microsoft.com/office/drawing/2014/main" id="{8EC55CD3-D96B-7A4B-C755-48AEBF49F6BA}"/>
               </a:ext>
             </a:extLst>
           </p:cNvPr>
@@ -580,7 +580,7 @@
           <p:cNvPr id="3" name="竖排文字占位符 2">
             <a:extLst>
               <a:ext uri="{FF2B5EF4-FFF2-40B4-BE49-F238E27FC236}">
-                <a16:creationId xmlns:a16="http://schemas.microsoft.com/office/drawing/2014/main" id="{AAB3512E-8483-C2F7-6793-8E8DF2CD1FBF}"/>
+                <a16:creationId xmlns:a16="http://schemas.microsoft.com/office/drawing/2014/main" id="{BFE4F2AD-4B9A-8990-3213-24744FCAF5B5}"/>
               </a:ext>
             </a:extLst>
           </p:cNvPr>
@@ -642,7 +642,7 @@
           <p:cNvPr id="4" name="日期占位符 3">
             <a:extLst>
               <a:ext uri="{FF2B5EF4-FFF2-40B4-BE49-F238E27FC236}">
-                <a16:creationId xmlns:a16="http://schemas.microsoft.com/office/drawing/2014/main" id="{A2B5F4E6-F2AD-0DC8-453B-94FCAC0A3548}"/>
+                <a16:creationId xmlns:a16="http://schemas.microsoft.com/office/drawing/2014/main" id="{F035858C-AFFA-0AE4-EFFA-6F1CF6AC1B8C}"/>
               </a:ext>
             </a:extLst>
           </p:cNvPr>
@@ -658,7 +658,7 @@
           <a:bodyPr/>
           <a:lstStyle/>
           <a:p>
-            <a:fld id="{004DC151-F743-4CE0-B0BC-388F5F5461AC}" type="datetimeFigureOut">
+            <a:fld id="{F60E6405-A6B2-4D21-8F4B-2200DAE2FDE9}" type="datetimeFigureOut">
               <a:rPr lang="zh-CN" altLang="en-US" smtClean="0"/>
               <a:t>2024/3/10</a:t>
             </a:fld>
@@ -671,7 +671,7 @@
           <p:cNvPr id="5" name="页脚占位符 4">
             <a:extLst>
               <a:ext uri="{FF2B5EF4-FFF2-40B4-BE49-F238E27FC236}">
-                <a16:creationId xmlns:a16="http://schemas.microsoft.com/office/drawing/2014/main" id="{2ED1FC29-3529-110F-69FA-FEB03A3A6B3A}"/>
+                <a16:creationId xmlns:a16="http://schemas.microsoft.com/office/drawing/2014/main" id="{38DB18BF-5D0F-04F0-3458-4766867FA005}"/>
               </a:ext>
             </a:extLst>
           </p:cNvPr>
@@ -696,7 +696,7 @@
           <p:cNvPr id="6" name="灯片编号占位符 5">
             <a:extLst>
               <a:ext uri="{FF2B5EF4-FFF2-40B4-BE49-F238E27FC236}">
-                <a16:creationId xmlns:a16="http://schemas.microsoft.com/office/drawing/2014/main" id="{03DEAAAB-94C4-67B7-3980-7204541DA91B}"/>
+                <a16:creationId xmlns:a16="http://schemas.microsoft.com/office/drawing/2014/main" id="{7EF3A804-230A-E2E0-BB50-3E74623DC208}"/>
               </a:ext>
             </a:extLst>
           </p:cNvPr>
@@ -712,7 +712,7 @@
           <a:bodyPr/>
           <a:lstStyle/>
           <a:p>
-            <a:fld id="{E3DD721A-D759-4D0B-BE70-1ACE2802DD94}" type="slidenum">
+            <a:fld id="{FB6B8543-A947-4760-9444-307A73D08BB5}" type="slidenum">
               <a:rPr lang="zh-CN" altLang="en-US" smtClean="0"/>
               <a:t>‹#›</a:t>
             </a:fld>
@@ -723,7 +723,7 @@
     </p:spTree>
     <p:extLst>
       <p:ext uri="{BB962C8B-B14F-4D97-AF65-F5344CB8AC3E}">
-        <p14:creationId xmlns:p14="http://schemas.microsoft.com/office/powerpoint/2010/main" val="1962959235"/>
+        <p14:creationId xmlns:p14="http://schemas.microsoft.com/office/powerpoint/2010/main" val="1763599945"/>
       </p:ext>
     </p:extLst>
   </p:cSld>
@@ -755,7 +755,7 @@
           <p:cNvPr id="2" name="标题 1">
             <a:extLst>
               <a:ext uri="{FF2B5EF4-FFF2-40B4-BE49-F238E27FC236}">
-                <a16:creationId xmlns:a16="http://schemas.microsoft.com/office/drawing/2014/main" id="{9A4345A2-C9CC-5F0B-7A60-D5B7DD640B9A}"/>
+                <a16:creationId xmlns:a16="http://schemas.microsoft.com/office/drawing/2014/main" id="{66BF21AF-2699-2EBA-72E4-B2CC6BFE13C1}"/>
               </a:ext>
             </a:extLst>
           </p:cNvPr>
@@ -783,7 +783,7 @@
           <p:cNvPr id="3" name="内容占位符 2">
             <a:extLst>
               <a:ext uri="{FF2B5EF4-FFF2-40B4-BE49-F238E27FC236}">
-                <a16:creationId xmlns:a16="http://schemas.microsoft.com/office/drawing/2014/main" id="{9E131F93-37E4-2590-DEA0-E7E56FEA1C9B}"/>
+                <a16:creationId xmlns:a16="http://schemas.microsoft.com/office/drawing/2014/main" id="{EA3E66F9-8E7C-C999-EB0C-38623266337A}"/>
               </a:ext>
             </a:extLst>
           </p:cNvPr>
@@ -840,7 +840,7 @@
           <p:cNvPr id="4" name="日期占位符 3">
             <a:extLst>
               <a:ext uri="{FF2B5EF4-FFF2-40B4-BE49-F238E27FC236}">
-                <a16:creationId xmlns:a16="http://schemas.microsoft.com/office/drawing/2014/main" id="{C77680C5-1D5B-1A2B-4A1D-DF4ABF385E3B}"/>
+                <a16:creationId xmlns:a16="http://schemas.microsoft.com/office/drawing/2014/main" id="{9E4EAF9D-5910-DC05-2F10-21228CB58CD7}"/>
               </a:ext>
             </a:extLst>
           </p:cNvPr>
@@ -856,7 +856,7 @@
           <a:bodyPr/>
           <a:lstStyle/>
           <a:p>
-            <a:fld id="{004DC151-F743-4CE0-B0BC-388F5F5461AC}" type="datetimeFigureOut">
+            <a:fld id="{F60E6405-A6B2-4D21-8F4B-2200DAE2FDE9}" type="datetimeFigureOut">
               <a:rPr lang="zh-CN" altLang="en-US" smtClean="0"/>
               <a:t>2024/3/10</a:t>
             </a:fld>
@@ -869,7 +869,7 @@
           <p:cNvPr id="5" name="页脚占位符 4">
             <a:extLst>
               <a:ext uri="{FF2B5EF4-FFF2-40B4-BE49-F238E27FC236}">
-                <a16:creationId xmlns:a16="http://schemas.microsoft.com/office/drawing/2014/main" id="{3D967815-5F49-70B4-72FF-C9455978B6E7}"/>
+                <a16:creationId xmlns:a16="http://schemas.microsoft.com/office/drawing/2014/main" id="{8134FD6A-4636-C17F-C534-8F680650E202}"/>
               </a:ext>
             </a:extLst>
           </p:cNvPr>
@@ -894,7 +894,7 @@
           <p:cNvPr id="6" name="灯片编号占位符 5">
             <a:extLst>
               <a:ext uri="{FF2B5EF4-FFF2-40B4-BE49-F238E27FC236}">
-                <a16:creationId xmlns:a16="http://schemas.microsoft.com/office/drawing/2014/main" id="{C9E00C89-811D-B45D-0464-8FF0858676F6}"/>
+                <a16:creationId xmlns:a16="http://schemas.microsoft.com/office/drawing/2014/main" id="{2B6CA70C-D21B-9966-E4AE-BD0358467ABB}"/>
               </a:ext>
             </a:extLst>
           </p:cNvPr>
@@ -910,7 +910,7 @@
           <a:bodyPr/>
           <a:lstStyle/>
           <a:p>
-            <a:fld id="{E3DD721A-D759-4D0B-BE70-1ACE2802DD94}" type="slidenum">
+            <a:fld id="{FB6B8543-A947-4760-9444-307A73D08BB5}" type="slidenum">
               <a:rPr lang="zh-CN" altLang="en-US" smtClean="0"/>
               <a:t>‹#›</a:t>
             </a:fld>
@@ -921,7 +921,7 @@
     </p:spTree>
     <p:extLst>
       <p:ext uri="{BB962C8B-B14F-4D97-AF65-F5344CB8AC3E}">
-        <p14:creationId xmlns:p14="http://schemas.microsoft.com/office/powerpoint/2010/main" val="2471943097"/>
+        <p14:creationId xmlns:p14="http://schemas.microsoft.com/office/powerpoint/2010/main" val="2119271253"/>
       </p:ext>
     </p:extLst>
   </p:cSld>
@@ -953,7 +953,7 @@
           <p:cNvPr id="2" name="标题 1">
             <a:extLst>
               <a:ext uri="{FF2B5EF4-FFF2-40B4-BE49-F238E27FC236}">
-                <a16:creationId xmlns:a16="http://schemas.microsoft.com/office/drawing/2014/main" id="{67762BC9-70F9-9C48-A3FC-57AE2081766B}"/>
+                <a16:creationId xmlns:a16="http://schemas.microsoft.com/office/drawing/2014/main" id="{C761D51C-720B-537F-5AB1-9863ACA82DAC}"/>
               </a:ext>
             </a:extLst>
           </p:cNvPr>
@@ -990,7 +990,7 @@
           <p:cNvPr id="3" name="文本占位符 2">
             <a:extLst>
               <a:ext uri="{FF2B5EF4-FFF2-40B4-BE49-F238E27FC236}">
-                <a16:creationId xmlns:a16="http://schemas.microsoft.com/office/drawing/2014/main" id="{B93202E6-1E2C-4632-D3D8-0EF6377265E4}"/>
+                <a16:creationId xmlns:a16="http://schemas.microsoft.com/office/drawing/2014/main" id="{6282DD01-3725-172E-AD05-9F2BBE8925F0}"/>
               </a:ext>
             </a:extLst>
           </p:cNvPr>
@@ -1115,7 +1115,7 @@
           <p:cNvPr id="4" name="日期占位符 3">
             <a:extLst>
               <a:ext uri="{FF2B5EF4-FFF2-40B4-BE49-F238E27FC236}">
-                <a16:creationId xmlns:a16="http://schemas.microsoft.com/office/drawing/2014/main" id="{7B93A7F1-5B9B-6DA2-2148-219D80AF92EB}"/>
+                <a16:creationId xmlns:a16="http://schemas.microsoft.com/office/drawing/2014/main" id="{4F601714-A54F-963E-8503-CEE93FF182E1}"/>
               </a:ext>
             </a:extLst>
           </p:cNvPr>
@@ -1131,7 +1131,7 @@
           <a:bodyPr/>
           <a:lstStyle/>
           <a:p>
-            <a:fld id="{004DC151-F743-4CE0-B0BC-388F5F5461AC}" type="datetimeFigureOut">
+            <a:fld id="{F60E6405-A6B2-4D21-8F4B-2200DAE2FDE9}" type="datetimeFigureOut">
               <a:rPr lang="zh-CN" altLang="en-US" smtClean="0"/>
               <a:t>2024/3/10</a:t>
             </a:fld>
@@ -1144,7 +1144,7 @@
           <p:cNvPr id="5" name="页脚占位符 4">
             <a:extLst>
               <a:ext uri="{FF2B5EF4-FFF2-40B4-BE49-F238E27FC236}">
-                <a16:creationId xmlns:a16="http://schemas.microsoft.com/office/drawing/2014/main" id="{CB1D1D11-3E52-4DDF-7221-E75CF84DD1F4}"/>
+                <a16:creationId xmlns:a16="http://schemas.microsoft.com/office/drawing/2014/main" id="{6B27328D-CFD2-58D2-3FD8-18E9CA9BCC91}"/>
               </a:ext>
             </a:extLst>
           </p:cNvPr>
@@ -1169,7 +1169,7 @@
           <p:cNvPr id="6" name="灯片编号占位符 5">
             <a:extLst>
               <a:ext uri="{FF2B5EF4-FFF2-40B4-BE49-F238E27FC236}">
-                <a16:creationId xmlns:a16="http://schemas.microsoft.com/office/drawing/2014/main" id="{2130943D-0A40-0C6A-01E9-649593CF9C91}"/>
+                <a16:creationId xmlns:a16="http://schemas.microsoft.com/office/drawing/2014/main" id="{73A12AFD-562E-CD2C-5A21-7A0F6D5F05E4}"/>
               </a:ext>
             </a:extLst>
           </p:cNvPr>
@@ -1185,7 +1185,7 @@
           <a:bodyPr/>
           <a:lstStyle/>
           <a:p>
-            <a:fld id="{E3DD721A-D759-4D0B-BE70-1ACE2802DD94}" type="slidenum">
+            <a:fld id="{FB6B8543-A947-4760-9444-307A73D08BB5}" type="slidenum">
               <a:rPr lang="zh-CN" altLang="en-US" smtClean="0"/>
               <a:t>‹#›</a:t>
             </a:fld>
@@ -1196,7 +1196,7 @@
     </p:spTree>
     <p:extLst>
       <p:ext uri="{BB962C8B-B14F-4D97-AF65-F5344CB8AC3E}">
-        <p14:creationId xmlns:p14="http://schemas.microsoft.com/office/powerpoint/2010/main" val="3693822411"/>
+        <p14:creationId xmlns:p14="http://schemas.microsoft.com/office/powerpoint/2010/main" val="3501170465"/>
       </p:ext>
     </p:extLst>
   </p:cSld>
@@ -1228,7 +1228,7 @@
           <p:cNvPr id="2" name="标题 1">
             <a:extLst>
               <a:ext uri="{FF2B5EF4-FFF2-40B4-BE49-F238E27FC236}">
-                <a16:creationId xmlns:a16="http://schemas.microsoft.com/office/drawing/2014/main" id="{C6A05A42-F194-5EB3-4F49-F558963C75B2}"/>
+                <a16:creationId xmlns:a16="http://schemas.microsoft.com/office/drawing/2014/main" id="{286A5CB5-2618-29BA-CBCF-AC89693BC736}"/>
               </a:ext>
             </a:extLst>
           </p:cNvPr>
@@ -1256,7 +1256,7 @@
           <p:cNvPr id="3" name="内容占位符 2">
             <a:extLst>
               <a:ext uri="{FF2B5EF4-FFF2-40B4-BE49-F238E27FC236}">
-                <a16:creationId xmlns:a16="http://schemas.microsoft.com/office/drawing/2014/main" id="{91AE5D6E-09A7-7E5B-D82F-A7C4C8D05202}"/>
+                <a16:creationId xmlns:a16="http://schemas.microsoft.com/office/drawing/2014/main" id="{E0D3EA13-1A5D-0B7D-F652-DB5F9F69972A}"/>
               </a:ext>
             </a:extLst>
           </p:cNvPr>
@@ -1318,7 +1318,7 @@
           <p:cNvPr id="4" name="内容占位符 3">
             <a:extLst>
               <a:ext uri="{FF2B5EF4-FFF2-40B4-BE49-F238E27FC236}">
-                <a16:creationId xmlns:a16="http://schemas.microsoft.com/office/drawing/2014/main" id="{41CFEE6E-345C-AEE6-3EBD-29BCB2D7BC37}"/>
+                <a16:creationId xmlns:a16="http://schemas.microsoft.com/office/drawing/2014/main" id="{47858536-ABA0-031D-782A-14BB6F01F196}"/>
               </a:ext>
             </a:extLst>
           </p:cNvPr>
@@ -1380,7 +1380,7 @@
           <p:cNvPr id="5" name="日期占位符 4">
             <a:extLst>
               <a:ext uri="{FF2B5EF4-FFF2-40B4-BE49-F238E27FC236}">
-                <a16:creationId xmlns:a16="http://schemas.microsoft.com/office/drawing/2014/main" id="{FF5E55CF-70C9-38B6-F297-9D1A7C00AF79}"/>
+                <a16:creationId xmlns:a16="http://schemas.microsoft.com/office/drawing/2014/main" id="{E8D654F0-18C8-B48B-A149-F2A2650D8CB0}"/>
               </a:ext>
             </a:extLst>
           </p:cNvPr>
@@ -1396,7 +1396,7 @@
           <a:bodyPr/>
           <a:lstStyle/>
           <a:p>
-            <a:fld id="{004DC151-F743-4CE0-B0BC-388F5F5461AC}" type="datetimeFigureOut">
+            <a:fld id="{F60E6405-A6B2-4D21-8F4B-2200DAE2FDE9}" type="datetimeFigureOut">
               <a:rPr lang="zh-CN" altLang="en-US" smtClean="0"/>
               <a:t>2024/3/10</a:t>
             </a:fld>
@@ -1409,7 +1409,7 @@
           <p:cNvPr id="6" name="页脚占位符 5">
             <a:extLst>
               <a:ext uri="{FF2B5EF4-FFF2-40B4-BE49-F238E27FC236}">
-                <a16:creationId xmlns:a16="http://schemas.microsoft.com/office/drawing/2014/main" id="{2765C5F8-3CE7-67F6-6AC8-B826FC7F15A6}"/>
+                <a16:creationId xmlns:a16="http://schemas.microsoft.com/office/drawing/2014/main" id="{74414305-68EE-9EC8-A9B1-7F2E55406020}"/>
               </a:ext>
             </a:extLst>
           </p:cNvPr>
@@ -1434,7 +1434,7 @@
           <p:cNvPr id="7" name="灯片编号占位符 6">
             <a:extLst>
               <a:ext uri="{FF2B5EF4-FFF2-40B4-BE49-F238E27FC236}">
-                <a16:creationId xmlns:a16="http://schemas.microsoft.com/office/drawing/2014/main" id="{9A8206D3-CD8A-77B7-00BD-3F675F6FB11A}"/>
+                <a16:creationId xmlns:a16="http://schemas.microsoft.com/office/drawing/2014/main" id="{4B77BD9B-A08E-5C87-68CC-12B02B19C00F}"/>
               </a:ext>
             </a:extLst>
           </p:cNvPr>
@@ -1450,7 +1450,7 @@
           <a:bodyPr/>
           <a:lstStyle/>
           <a:p>
-            <a:fld id="{E3DD721A-D759-4D0B-BE70-1ACE2802DD94}" type="slidenum">
+            <a:fld id="{FB6B8543-A947-4760-9444-307A73D08BB5}" type="slidenum">
               <a:rPr lang="zh-CN" altLang="en-US" smtClean="0"/>
               <a:t>‹#›</a:t>
             </a:fld>
@@ -1461,7 +1461,7 @@
     </p:spTree>
     <p:extLst>
       <p:ext uri="{BB962C8B-B14F-4D97-AF65-F5344CB8AC3E}">
-        <p14:creationId xmlns:p14="http://schemas.microsoft.com/office/powerpoint/2010/main" val="4090527370"/>
+        <p14:creationId xmlns:p14="http://schemas.microsoft.com/office/powerpoint/2010/main" val="4285292168"/>
       </p:ext>
     </p:extLst>
   </p:cSld>
@@ -1493,7 +1493,7 @@
           <p:cNvPr id="2" name="标题 1">
             <a:extLst>
               <a:ext uri="{FF2B5EF4-FFF2-40B4-BE49-F238E27FC236}">
-                <a16:creationId xmlns:a16="http://schemas.microsoft.com/office/drawing/2014/main" id="{DBDE433E-589F-CF5F-C6CF-05C6DEDB6842}"/>
+                <a16:creationId xmlns:a16="http://schemas.microsoft.com/office/drawing/2014/main" id="{9B2A11DA-30F1-E9F0-E41A-33F70885B44E}"/>
               </a:ext>
             </a:extLst>
           </p:cNvPr>
@@ -1526,7 +1526,7 @@
           <p:cNvPr id="3" name="文本占位符 2">
             <a:extLst>
               <a:ext uri="{FF2B5EF4-FFF2-40B4-BE49-F238E27FC236}">
-                <a16:creationId xmlns:a16="http://schemas.microsoft.com/office/drawing/2014/main" id="{108D1004-F309-86D3-7A8F-DB31905FF95B}"/>
+                <a16:creationId xmlns:a16="http://schemas.microsoft.com/office/drawing/2014/main" id="{FB1F902D-7F67-A0CE-515D-7D24C8284258}"/>
               </a:ext>
             </a:extLst>
           </p:cNvPr>
@@ -1597,7 +1597,7 @@
           <p:cNvPr id="4" name="内容占位符 3">
             <a:extLst>
               <a:ext uri="{FF2B5EF4-FFF2-40B4-BE49-F238E27FC236}">
-                <a16:creationId xmlns:a16="http://schemas.microsoft.com/office/drawing/2014/main" id="{6F05EEF4-49F1-765F-8F0C-8E5A1B157973}"/>
+                <a16:creationId xmlns:a16="http://schemas.microsoft.com/office/drawing/2014/main" id="{61551C4D-F705-C414-1EC8-A76B58085EAD}"/>
               </a:ext>
             </a:extLst>
           </p:cNvPr>
@@ -1659,7 +1659,7 @@
           <p:cNvPr id="5" name="文本占位符 4">
             <a:extLst>
               <a:ext uri="{FF2B5EF4-FFF2-40B4-BE49-F238E27FC236}">
-                <a16:creationId xmlns:a16="http://schemas.microsoft.com/office/drawing/2014/main" id="{E5794916-E3EF-40A4-2F12-24168DB69FEE}"/>
+                <a16:creationId xmlns:a16="http://schemas.microsoft.com/office/drawing/2014/main" id="{0468EA31-C237-59DF-87E9-28FA51BAEB54}"/>
               </a:ext>
             </a:extLst>
           </p:cNvPr>
@@ -1730,7 +1730,7 @@
           <p:cNvPr id="6" name="内容占位符 5">
             <a:extLst>
               <a:ext uri="{FF2B5EF4-FFF2-40B4-BE49-F238E27FC236}">
-                <a16:creationId xmlns:a16="http://schemas.microsoft.com/office/drawing/2014/main" id="{46576B71-2A4E-7E80-653C-B04457139111}"/>
+                <a16:creationId xmlns:a16="http://schemas.microsoft.com/office/drawing/2014/main" id="{ECC3E679-281A-B15C-ADFD-918C670DAAC2}"/>
               </a:ext>
             </a:extLst>
           </p:cNvPr>
@@ -1792,7 +1792,7 @@
           <p:cNvPr id="7" name="日期占位符 6">
             <a:extLst>
               <a:ext uri="{FF2B5EF4-FFF2-40B4-BE49-F238E27FC236}">
-                <a16:creationId xmlns:a16="http://schemas.microsoft.com/office/drawing/2014/main" id="{25054990-0CE3-B058-328F-11ACF54BF5A9}"/>
+                <a16:creationId xmlns:a16="http://schemas.microsoft.com/office/drawing/2014/main" id="{407AAA30-BAD0-8B49-4300-26D5262BA3C8}"/>
               </a:ext>
             </a:extLst>
           </p:cNvPr>
@@ -1808,7 +1808,7 @@
           <a:bodyPr/>
           <a:lstStyle/>
           <a:p>
-            <a:fld id="{004DC151-F743-4CE0-B0BC-388F5F5461AC}" type="datetimeFigureOut">
+            <a:fld id="{F60E6405-A6B2-4D21-8F4B-2200DAE2FDE9}" type="datetimeFigureOut">
               <a:rPr lang="zh-CN" altLang="en-US" smtClean="0"/>
               <a:t>2024/3/10</a:t>
             </a:fld>
@@ -1821,7 +1821,7 @@
           <p:cNvPr id="8" name="页脚占位符 7">
             <a:extLst>
               <a:ext uri="{FF2B5EF4-FFF2-40B4-BE49-F238E27FC236}">
-                <a16:creationId xmlns:a16="http://schemas.microsoft.com/office/drawing/2014/main" id="{D2A01B4A-5963-6C70-0603-837846D731AA}"/>
+                <a16:creationId xmlns:a16="http://schemas.microsoft.com/office/drawing/2014/main" id="{9248F0D0-474D-5CB3-403C-5E798807BE62}"/>
               </a:ext>
             </a:extLst>
           </p:cNvPr>
@@ -1846,7 +1846,7 @@
           <p:cNvPr id="9" name="灯片编号占位符 8">
             <a:extLst>
               <a:ext uri="{FF2B5EF4-FFF2-40B4-BE49-F238E27FC236}">
-                <a16:creationId xmlns:a16="http://schemas.microsoft.com/office/drawing/2014/main" id="{3D636F3A-99F6-1A75-1124-32976ABD650F}"/>
+                <a16:creationId xmlns:a16="http://schemas.microsoft.com/office/drawing/2014/main" id="{5F45E497-1A14-D329-965F-F7BBF9468A4D}"/>
               </a:ext>
             </a:extLst>
           </p:cNvPr>
@@ -1862,7 +1862,7 @@
           <a:bodyPr/>
           <a:lstStyle/>
           <a:p>
-            <a:fld id="{E3DD721A-D759-4D0B-BE70-1ACE2802DD94}" type="slidenum">
+            <a:fld id="{FB6B8543-A947-4760-9444-307A73D08BB5}" type="slidenum">
               <a:rPr lang="zh-CN" altLang="en-US" smtClean="0"/>
               <a:t>‹#›</a:t>
             </a:fld>
@@ -1873,7 +1873,7 @@
     </p:spTree>
     <p:extLst>
       <p:ext uri="{BB962C8B-B14F-4D97-AF65-F5344CB8AC3E}">
-        <p14:creationId xmlns:p14="http://schemas.microsoft.com/office/powerpoint/2010/main" val="3813106598"/>
+        <p14:creationId xmlns:p14="http://schemas.microsoft.com/office/powerpoint/2010/main" val="3529870387"/>
       </p:ext>
     </p:extLst>
   </p:cSld>
@@ -1905,7 +1905,7 @@
           <p:cNvPr id="2" name="标题 1">
             <a:extLst>
               <a:ext uri="{FF2B5EF4-FFF2-40B4-BE49-F238E27FC236}">
-                <a16:creationId xmlns:a16="http://schemas.microsoft.com/office/drawing/2014/main" id="{C50C0E59-20DB-DF2B-5217-2C24ADD6F54E}"/>
+                <a16:creationId xmlns:a16="http://schemas.microsoft.com/office/drawing/2014/main" id="{58CAABBA-DBAD-06C0-C0A7-B97AD7DF91F5}"/>
               </a:ext>
             </a:extLst>
           </p:cNvPr>
@@ -1933,7 +1933,7 @@
           <p:cNvPr id="3" name="日期占位符 2">
             <a:extLst>
               <a:ext uri="{FF2B5EF4-FFF2-40B4-BE49-F238E27FC236}">
-                <a16:creationId xmlns:a16="http://schemas.microsoft.com/office/drawing/2014/main" id="{CC8EB33A-EEE7-0853-488E-F3BCF22FFACC}"/>
+                <a16:creationId xmlns:a16="http://schemas.microsoft.com/office/drawing/2014/main" id="{1FC72BD1-B943-AA0A-F05E-8AD55EBE9BDF}"/>
               </a:ext>
             </a:extLst>
           </p:cNvPr>
@@ -1949,7 +1949,7 @@
           <a:bodyPr/>
           <a:lstStyle/>
           <a:p>
-            <a:fld id="{004DC151-F743-4CE0-B0BC-388F5F5461AC}" type="datetimeFigureOut">
+            <a:fld id="{F60E6405-A6B2-4D21-8F4B-2200DAE2FDE9}" type="datetimeFigureOut">
               <a:rPr lang="zh-CN" altLang="en-US" smtClean="0"/>
               <a:t>2024/3/10</a:t>
             </a:fld>
@@ -1962,7 +1962,7 @@
           <p:cNvPr id="4" name="页脚占位符 3">
             <a:extLst>
               <a:ext uri="{FF2B5EF4-FFF2-40B4-BE49-F238E27FC236}">
-                <a16:creationId xmlns:a16="http://schemas.microsoft.com/office/drawing/2014/main" id="{21D075C8-19A4-7E20-A670-3D79E1DB5E05}"/>
+                <a16:creationId xmlns:a16="http://schemas.microsoft.com/office/drawing/2014/main" id="{8F8BEDBF-CCFC-0BDB-EEBC-59E40529FB86}"/>
               </a:ext>
             </a:extLst>
           </p:cNvPr>
@@ -1987,7 +1987,7 @@
           <p:cNvPr id="5" name="灯片编号占位符 4">
             <a:extLst>
               <a:ext uri="{FF2B5EF4-FFF2-40B4-BE49-F238E27FC236}">
-                <a16:creationId xmlns:a16="http://schemas.microsoft.com/office/drawing/2014/main" id="{FD55387C-593F-AD7A-D7A9-4A9E82648E3D}"/>
+                <a16:creationId xmlns:a16="http://schemas.microsoft.com/office/drawing/2014/main" id="{2B94D476-3BAB-2ECF-8805-B510E7239C76}"/>
               </a:ext>
             </a:extLst>
           </p:cNvPr>
@@ -2003,7 +2003,7 @@
           <a:bodyPr/>
           <a:lstStyle/>
           <a:p>
-            <a:fld id="{E3DD721A-D759-4D0B-BE70-1ACE2802DD94}" type="slidenum">
+            <a:fld id="{FB6B8543-A947-4760-9444-307A73D08BB5}" type="slidenum">
               <a:rPr lang="zh-CN" altLang="en-US" smtClean="0"/>
               <a:t>‹#›</a:t>
             </a:fld>
@@ -2014,7 +2014,7 @@
     </p:spTree>
     <p:extLst>
       <p:ext uri="{BB962C8B-B14F-4D97-AF65-F5344CB8AC3E}">
-        <p14:creationId xmlns:p14="http://schemas.microsoft.com/office/powerpoint/2010/main" val="121928835"/>
+        <p14:creationId xmlns:p14="http://schemas.microsoft.com/office/powerpoint/2010/main" val="3514416616"/>
       </p:ext>
     </p:extLst>
   </p:cSld>
@@ -2046,7 +2046,7 @@
           <p:cNvPr id="2" name="日期占位符 1">
             <a:extLst>
               <a:ext uri="{FF2B5EF4-FFF2-40B4-BE49-F238E27FC236}">
-                <a16:creationId xmlns:a16="http://schemas.microsoft.com/office/drawing/2014/main" id="{C3B0445F-4D7D-2469-3BBD-9AF16CA5F45C}"/>
+                <a16:creationId xmlns:a16="http://schemas.microsoft.com/office/drawing/2014/main" id="{BB5EC9CE-663E-2D99-4C1B-A5F9CCE9E0F7}"/>
               </a:ext>
             </a:extLst>
           </p:cNvPr>
@@ -2062,7 +2062,7 @@
           <a:bodyPr/>
           <a:lstStyle/>
           <a:p>
-            <a:fld id="{004DC151-F743-4CE0-B0BC-388F5F5461AC}" type="datetimeFigureOut">
+            <a:fld id="{F60E6405-A6B2-4D21-8F4B-2200DAE2FDE9}" type="datetimeFigureOut">
               <a:rPr lang="zh-CN" altLang="en-US" smtClean="0"/>
               <a:t>2024/3/10</a:t>
             </a:fld>
@@ -2075,7 +2075,7 @@
           <p:cNvPr id="3" name="页脚占位符 2">
             <a:extLst>
               <a:ext uri="{FF2B5EF4-FFF2-40B4-BE49-F238E27FC236}">
-                <a16:creationId xmlns:a16="http://schemas.microsoft.com/office/drawing/2014/main" id="{EA254F6E-5D5F-6164-167A-9B6CD80320FD}"/>
+                <a16:creationId xmlns:a16="http://schemas.microsoft.com/office/drawing/2014/main" id="{3B427D91-ACB1-2772-EC6C-68E903EB67D5}"/>
               </a:ext>
             </a:extLst>
           </p:cNvPr>
@@ -2100,7 +2100,7 @@
           <p:cNvPr id="4" name="灯片编号占位符 3">
             <a:extLst>
               <a:ext uri="{FF2B5EF4-FFF2-40B4-BE49-F238E27FC236}">
-                <a16:creationId xmlns:a16="http://schemas.microsoft.com/office/drawing/2014/main" id="{F3DE11E9-8CEA-5224-92A4-773881CF687D}"/>
+                <a16:creationId xmlns:a16="http://schemas.microsoft.com/office/drawing/2014/main" id="{D724C44C-A18B-B557-C4D5-2A7D89C78D02}"/>
               </a:ext>
             </a:extLst>
           </p:cNvPr>
@@ -2116,7 +2116,7 @@
           <a:bodyPr/>
           <a:lstStyle/>
           <a:p>
-            <a:fld id="{E3DD721A-D759-4D0B-BE70-1ACE2802DD94}" type="slidenum">
+            <a:fld id="{FB6B8543-A947-4760-9444-307A73D08BB5}" type="slidenum">
               <a:rPr lang="zh-CN" altLang="en-US" smtClean="0"/>
               <a:t>‹#›</a:t>
             </a:fld>
@@ -2127,7 +2127,7 @@
     </p:spTree>
     <p:extLst>
       <p:ext uri="{BB962C8B-B14F-4D97-AF65-F5344CB8AC3E}">
-        <p14:creationId xmlns:p14="http://schemas.microsoft.com/office/powerpoint/2010/main" val="4272136364"/>
+        <p14:creationId xmlns:p14="http://schemas.microsoft.com/office/powerpoint/2010/main" val="2310267145"/>
       </p:ext>
     </p:extLst>
   </p:cSld>
@@ -2159,7 +2159,7 @@
           <p:cNvPr id="2" name="标题 1">
             <a:extLst>
               <a:ext uri="{FF2B5EF4-FFF2-40B4-BE49-F238E27FC236}">
-                <a16:creationId xmlns:a16="http://schemas.microsoft.com/office/drawing/2014/main" id="{BB749F16-D45C-E1A6-F8E5-EF3DB0630EC8}"/>
+                <a16:creationId xmlns:a16="http://schemas.microsoft.com/office/drawing/2014/main" id="{10FF1BBF-33E2-E47D-5E07-34D7E2C7BE9D}"/>
               </a:ext>
             </a:extLst>
           </p:cNvPr>
@@ -2196,7 +2196,7 @@
           <p:cNvPr id="3" name="内容占位符 2">
             <a:extLst>
               <a:ext uri="{FF2B5EF4-FFF2-40B4-BE49-F238E27FC236}">
-                <a16:creationId xmlns:a16="http://schemas.microsoft.com/office/drawing/2014/main" id="{9A84CCA5-3323-C1BC-F14A-135B230D95B6}"/>
+                <a16:creationId xmlns:a16="http://schemas.microsoft.com/office/drawing/2014/main" id="{31C94834-BC24-1994-4586-EB46762E2DA5}"/>
               </a:ext>
             </a:extLst>
           </p:cNvPr>
@@ -2286,7 +2286,7 @@
           <p:cNvPr id="4" name="文本占位符 3">
             <a:extLst>
               <a:ext uri="{FF2B5EF4-FFF2-40B4-BE49-F238E27FC236}">
-                <a16:creationId xmlns:a16="http://schemas.microsoft.com/office/drawing/2014/main" id="{45193492-83D9-B000-5667-3EB94E27D51A}"/>
+                <a16:creationId xmlns:a16="http://schemas.microsoft.com/office/drawing/2014/main" id="{CE9F217B-7FE2-8092-AA31-668F19E0A223}"/>
               </a:ext>
             </a:extLst>
           </p:cNvPr>
@@ -2357,7 +2357,7 @@
           <p:cNvPr id="5" name="日期占位符 4">
             <a:extLst>
               <a:ext uri="{FF2B5EF4-FFF2-40B4-BE49-F238E27FC236}">
-                <a16:creationId xmlns:a16="http://schemas.microsoft.com/office/drawing/2014/main" id="{5F87108D-5909-D927-E374-40DA7F6B4014}"/>
+                <a16:creationId xmlns:a16="http://schemas.microsoft.com/office/drawing/2014/main" id="{7D12F6B4-5145-AFCA-9B66-37382F913CC7}"/>
               </a:ext>
             </a:extLst>
           </p:cNvPr>
@@ -2373,7 +2373,7 @@
           <a:bodyPr/>
           <a:lstStyle/>
           <a:p>
-            <a:fld id="{004DC151-F743-4CE0-B0BC-388F5F5461AC}" type="datetimeFigureOut">
+            <a:fld id="{F60E6405-A6B2-4D21-8F4B-2200DAE2FDE9}" type="datetimeFigureOut">
               <a:rPr lang="zh-CN" altLang="en-US" smtClean="0"/>
               <a:t>2024/3/10</a:t>
             </a:fld>
@@ -2386,7 +2386,7 @@
           <p:cNvPr id="6" name="页脚占位符 5">
             <a:extLst>
               <a:ext uri="{FF2B5EF4-FFF2-40B4-BE49-F238E27FC236}">
-                <a16:creationId xmlns:a16="http://schemas.microsoft.com/office/drawing/2014/main" id="{5D82F1A9-B218-4EA7-2AF2-463342A29269}"/>
+                <a16:creationId xmlns:a16="http://schemas.microsoft.com/office/drawing/2014/main" id="{3C9D7FB0-7779-3E9B-8AFD-5F1B8237658E}"/>
               </a:ext>
             </a:extLst>
           </p:cNvPr>
@@ -2411,7 +2411,7 @@
           <p:cNvPr id="7" name="灯片编号占位符 6">
             <a:extLst>
               <a:ext uri="{FF2B5EF4-FFF2-40B4-BE49-F238E27FC236}">
-                <a16:creationId xmlns:a16="http://schemas.microsoft.com/office/drawing/2014/main" id="{585893C1-4676-9134-9CA4-4B2FB81BF86A}"/>
+                <a16:creationId xmlns:a16="http://schemas.microsoft.com/office/drawing/2014/main" id="{9E5A7746-6400-85D1-657F-850CF5958E24}"/>
               </a:ext>
             </a:extLst>
           </p:cNvPr>
@@ -2427,7 +2427,7 @@
           <a:bodyPr/>
           <a:lstStyle/>
           <a:p>
-            <a:fld id="{E3DD721A-D759-4D0B-BE70-1ACE2802DD94}" type="slidenum">
+            <a:fld id="{FB6B8543-A947-4760-9444-307A73D08BB5}" type="slidenum">
               <a:rPr lang="zh-CN" altLang="en-US" smtClean="0"/>
               <a:t>‹#›</a:t>
             </a:fld>
@@ -2438,7 +2438,7 @@
     </p:spTree>
     <p:extLst>
       <p:ext uri="{BB962C8B-B14F-4D97-AF65-F5344CB8AC3E}">
-        <p14:creationId xmlns:p14="http://schemas.microsoft.com/office/powerpoint/2010/main" val="3518925377"/>
+        <p14:creationId xmlns:p14="http://schemas.microsoft.com/office/powerpoint/2010/main" val="674961651"/>
       </p:ext>
     </p:extLst>
   </p:cSld>
@@ -2470,7 +2470,7 @@
           <p:cNvPr id="2" name="标题 1">
             <a:extLst>
               <a:ext uri="{FF2B5EF4-FFF2-40B4-BE49-F238E27FC236}">
-                <a16:creationId xmlns:a16="http://schemas.microsoft.com/office/drawing/2014/main" id="{3A06E94A-DA88-928D-5C63-3783B8B62FA2}"/>
+                <a16:creationId xmlns:a16="http://schemas.microsoft.com/office/drawing/2014/main" id="{889B9CF3-A24E-A962-1C76-41946422AFCB}"/>
               </a:ext>
             </a:extLst>
           </p:cNvPr>
@@ -2507,7 +2507,7 @@
           <p:cNvPr id="3" name="图片占位符 2">
             <a:extLst>
               <a:ext uri="{FF2B5EF4-FFF2-40B4-BE49-F238E27FC236}">
-                <a16:creationId xmlns:a16="http://schemas.microsoft.com/office/drawing/2014/main" id="{055849DD-7090-E667-5D8D-CECA6148E015}"/>
+                <a16:creationId xmlns:a16="http://schemas.microsoft.com/office/drawing/2014/main" id="{2FA49FF3-6181-A04D-7695-86E1A9A0D4B4}"/>
               </a:ext>
             </a:extLst>
           </p:cNvPr>
@@ -2574,7 +2574,7 @@
           <p:cNvPr id="4" name="文本占位符 3">
             <a:extLst>
               <a:ext uri="{FF2B5EF4-FFF2-40B4-BE49-F238E27FC236}">
-                <a16:creationId xmlns:a16="http://schemas.microsoft.com/office/drawing/2014/main" id="{67AC0A90-6A60-E716-21DE-67E393D587A1}"/>
+                <a16:creationId xmlns:a16="http://schemas.microsoft.com/office/drawing/2014/main" id="{9F829D7B-DE0B-B984-473D-D3D8DE365677}"/>
               </a:ext>
             </a:extLst>
           </p:cNvPr>
@@ -2645,7 +2645,7 @@
           <p:cNvPr id="5" name="日期占位符 4">
             <a:extLst>
               <a:ext uri="{FF2B5EF4-FFF2-40B4-BE49-F238E27FC236}">
-                <a16:creationId xmlns:a16="http://schemas.microsoft.com/office/drawing/2014/main" id="{6A14E9D6-B979-49D0-FD3F-D2DB6B714C38}"/>
+                <a16:creationId xmlns:a16="http://schemas.microsoft.com/office/drawing/2014/main" id="{62A22F6B-DFD0-6875-9514-94A3F1A5A96D}"/>
               </a:ext>
             </a:extLst>
           </p:cNvPr>
@@ -2661,7 +2661,7 @@
           <a:bodyPr/>
           <a:lstStyle/>
           <a:p>
-            <a:fld id="{004DC151-F743-4CE0-B0BC-388F5F5461AC}" type="datetimeFigureOut">
+            <a:fld id="{F60E6405-A6B2-4D21-8F4B-2200DAE2FDE9}" type="datetimeFigureOut">
               <a:rPr lang="zh-CN" altLang="en-US" smtClean="0"/>
               <a:t>2024/3/10</a:t>
             </a:fld>
@@ -2674,7 +2674,7 @@
           <p:cNvPr id="6" name="页脚占位符 5">
             <a:extLst>
               <a:ext uri="{FF2B5EF4-FFF2-40B4-BE49-F238E27FC236}">
-                <a16:creationId xmlns:a16="http://schemas.microsoft.com/office/drawing/2014/main" id="{3E77103C-BECE-0CB5-F432-D76C524EFDB2}"/>
+                <a16:creationId xmlns:a16="http://schemas.microsoft.com/office/drawing/2014/main" id="{78523E6D-138F-C5C2-1A22-3F8D289615EC}"/>
               </a:ext>
             </a:extLst>
           </p:cNvPr>
@@ -2699,7 +2699,7 @@
           <p:cNvPr id="7" name="灯片编号占位符 6">
             <a:extLst>
               <a:ext uri="{FF2B5EF4-FFF2-40B4-BE49-F238E27FC236}">
-                <a16:creationId xmlns:a16="http://schemas.microsoft.com/office/drawing/2014/main" id="{9AB52794-05ED-4D49-0BD6-FFD0FE09E664}"/>
+                <a16:creationId xmlns:a16="http://schemas.microsoft.com/office/drawing/2014/main" id="{279FCCE6-BEB2-2B5B-CBCC-D97CF3815A06}"/>
               </a:ext>
             </a:extLst>
           </p:cNvPr>
@@ -2715,7 +2715,7 @@
           <a:bodyPr/>
           <a:lstStyle/>
           <a:p>
-            <a:fld id="{E3DD721A-D759-4D0B-BE70-1ACE2802DD94}" type="slidenum">
+            <a:fld id="{FB6B8543-A947-4760-9444-307A73D08BB5}" type="slidenum">
               <a:rPr lang="zh-CN" altLang="en-US" smtClean="0"/>
               <a:t>‹#›</a:t>
             </a:fld>
@@ -2726,7 +2726,7 @@
     </p:spTree>
     <p:extLst>
       <p:ext uri="{BB962C8B-B14F-4D97-AF65-F5344CB8AC3E}">
-        <p14:creationId xmlns:p14="http://schemas.microsoft.com/office/powerpoint/2010/main" val="1516199249"/>
+        <p14:creationId xmlns:p14="http://schemas.microsoft.com/office/powerpoint/2010/main" val="1209100231"/>
       </p:ext>
     </p:extLst>
   </p:cSld>
@@ -2763,7 +2763,7 @@
           <p:cNvPr id="2" name="标题占位符 1">
             <a:extLst>
               <a:ext uri="{FF2B5EF4-FFF2-40B4-BE49-F238E27FC236}">
-                <a16:creationId xmlns:a16="http://schemas.microsoft.com/office/drawing/2014/main" id="{C18138FF-08EB-58DB-6BEA-8259D4B3BD60}"/>
+                <a16:creationId xmlns:a16="http://schemas.microsoft.com/office/drawing/2014/main" id="{0DB47666-E2A0-6D72-FEED-08B5FFE5DF0A}"/>
               </a:ext>
             </a:extLst>
           </p:cNvPr>
@@ -2801,7 +2801,7 @@
           <p:cNvPr id="3" name="文本占位符 2">
             <a:extLst>
               <a:ext uri="{FF2B5EF4-FFF2-40B4-BE49-F238E27FC236}">
-                <a16:creationId xmlns:a16="http://schemas.microsoft.com/office/drawing/2014/main" id="{B3D9087A-6D95-AD1E-5D83-632C966AD704}"/>
+                <a16:creationId xmlns:a16="http://schemas.microsoft.com/office/drawing/2014/main" id="{F1CB20C9-41A2-9854-5563-0CC09D7E9E47}"/>
               </a:ext>
             </a:extLst>
           </p:cNvPr>
@@ -2868,7 +2868,7 @@
           <p:cNvPr id="4" name="日期占位符 3">
             <a:extLst>
               <a:ext uri="{FF2B5EF4-FFF2-40B4-BE49-F238E27FC236}">
-                <a16:creationId xmlns:a16="http://schemas.microsoft.com/office/drawing/2014/main" id="{1D71CEE7-663C-833A-8E6B-4672058C97B2}"/>
+                <a16:creationId xmlns:a16="http://schemas.microsoft.com/office/drawing/2014/main" id="{3D1AB0ED-1D67-8C4A-233C-551852D095DD}"/>
               </a:ext>
             </a:extLst>
           </p:cNvPr>
@@ -2902,7 +2902,7 @@
             </a:lvl1pPr>
           </a:lstStyle>
           <a:p>
-            <a:fld id="{004DC151-F743-4CE0-B0BC-388F5F5461AC}" type="datetimeFigureOut">
+            <a:fld id="{F60E6405-A6B2-4D21-8F4B-2200DAE2FDE9}" type="datetimeFigureOut">
               <a:rPr lang="zh-CN" altLang="en-US" smtClean="0"/>
               <a:t>2024/3/10</a:t>
             </a:fld>
@@ -2915,7 +2915,7 @@
           <p:cNvPr id="5" name="页脚占位符 4">
             <a:extLst>
               <a:ext uri="{FF2B5EF4-FFF2-40B4-BE49-F238E27FC236}">
-                <a16:creationId xmlns:a16="http://schemas.microsoft.com/office/drawing/2014/main" id="{549D5378-25DF-44FB-C934-C2F69D14508C}"/>
+                <a16:creationId xmlns:a16="http://schemas.microsoft.com/office/drawing/2014/main" id="{898C2510-B692-3531-D070-6AA79306EA70}"/>
               </a:ext>
             </a:extLst>
           </p:cNvPr>
@@ -2958,7 +2958,7 @@
           <p:cNvPr id="6" name="灯片编号占位符 5">
             <a:extLst>
               <a:ext uri="{FF2B5EF4-FFF2-40B4-BE49-F238E27FC236}">
-                <a16:creationId xmlns:a16="http://schemas.microsoft.com/office/drawing/2014/main" id="{F75CEFED-BAAC-A7AE-2959-93BE7FA26391}"/>
+                <a16:creationId xmlns:a16="http://schemas.microsoft.com/office/drawing/2014/main" id="{9C738ADA-CBC6-89C5-E1AC-97644964B9B0}"/>
               </a:ext>
             </a:extLst>
           </p:cNvPr>
@@ -2992,7 +2992,7 @@
             </a:lvl1pPr>
           </a:lstStyle>
           <a:p>
-            <a:fld id="{E3DD721A-D759-4D0B-BE70-1ACE2802DD94}" type="slidenum">
+            <a:fld id="{FB6B8543-A947-4760-9444-307A73D08BB5}" type="slidenum">
               <a:rPr lang="zh-CN" altLang="en-US" smtClean="0"/>
               <a:t>‹#›</a:t>
             </a:fld>
@@ -3003,7 +3003,7 @@
     </p:spTree>
     <p:extLst>
       <p:ext uri="{BB962C8B-B14F-4D97-AF65-F5344CB8AC3E}">
-        <p14:creationId xmlns:p14="http://schemas.microsoft.com/office/powerpoint/2010/main" val="212003860"/>
+        <p14:creationId xmlns:p14="http://schemas.microsoft.com/office/powerpoint/2010/main" val="3414206711"/>
       </p:ext>
     </p:extLst>
   </p:cSld>
